--- a/Bio557_QIIME2_Workshop.pptx
+++ b/Bio557_QIIME2_Workshop.pptx
@@ -109,7 +109,57 @@
       </a:defRPr>
     </a:lvl9pPr>
   </p:defaultTextStyle>
+  <p:extLst>
+    <p:ext uri="{EFAFB233-063F-42B5-8137-9DF3F51BA10A}">
+      <p15:sldGuideLst xmlns:p15="http://schemas.microsoft.com/office/powerpoint/2012/main"/>
+    </p:ext>
+  </p:extLst>
 </p:presentation>
+</file>
+
+<file path=ppt/revisionInfo.xml><?xml version="1.0" encoding="utf-8"?>
+<p1510:revInfo xmlns:a="http://schemas.openxmlformats.org/drawingml/2006/main" xmlns:r="http://schemas.openxmlformats.org/officeDocument/2006/relationships" xmlns:p1510="http://schemas.microsoft.com/office/powerpoint/2015/10/main">
+  <p1510:revLst>
+    <p1510:client id="{5037A9EC-3A7E-4433-8874-CB746E7AFC59}" v="1" dt="2024-02-20T13:20:06.590"/>
+  </p1510:revLst>
+</p1510:revInfo>
+</file>
+
+<file path=ppt/changesInfos/changesInfo1.xml><?xml version="1.0" encoding="utf-8"?>
+<pc:chgInfo xmlns:a="http://schemas.openxmlformats.org/drawingml/2006/main" xmlns:r="http://schemas.openxmlformats.org/officeDocument/2006/relationships" xmlns:ac="http://schemas.microsoft.com/office/drawing/2013/main/command" xmlns:pc="http://schemas.microsoft.com/office/powerpoint/2013/main/command">
+  <pc:docChgLst>
+    <pc:chgData name="Jake Nash" userId="51cada6e-5249-4057-84ec-b8d101c2d153" providerId="ADAL" clId="{5037A9EC-3A7E-4433-8874-CB746E7AFC59}"/>
+    <pc:docChg chg="modSld">
+      <pc:chgData name="Jake Nash" userId="51cada6e-5249-4057-84ec-b8d101c2d153" providerId="ADAL" clId="{5037A9EC-3A7E-4433-8874-CB746E7AFC59}" dt="2024-02-20T13:20:41.224" v="13" actId="1076"/>
+      <pc:docMkLst>
+        <pc:docMk/>
+      </pc:docMkLst>
+      <pc:sldChg chg="addSp modSp mod">
+        <pc:chgData name="Jake Nash" userId="51cada6e-5249-4057-84ec-b8d101c2d153" providerId="ADAL" clId="{5037A9EC-3A7E-4433-8874-CB746E7AFC59}" dt="2024-02-20T13:20:41.224" v="13" actId="1076"/>
+        <pc:sldMkLst>
+          <pc:docMk/>
+          <pc:sldMk cId="1887145229" sldId="257"/>
+        </pc:sldMkLst>
+        <pc:picChg chg="add mod modCrop">
+          <ac:chgData name="Jake Nash" userId="51cada6e-5249-4057-84ec-b8d101c2d153" providerId="ADAL" clId="{5037A9EC-3A7E-4433-8874-CB746E7AFC59}" dt="2024-02-20T13:20:41.224" v="13" actId="1076"/>
+          <ac:picMkLst>
+            <pc:docMk/>
+            <pc:sldMk cId="1887145229" sldId="257"/>
+            <ac:picMk id="2" creationId="{33FAD1A9-AE8D-5174-89D5-F71D0DAFF278}"/>
+          </ac:picMkLst>
+        </pc:picChg>
+        <pc:picChg chg="mod">
+          <ac:chgData name="Jake Nash" userId="51cada6e-5249-4057-84ec-b8d101c2d153" providerId="ADAL" clId="{5037A9EC-3A7E-4433-8874-CB746E7AFC59}" dt="2024-02-20T13:20:39.474" v="12" actId="1076"/>
+          <ac:picMkLst>
+            <pc:docMk/>
+            <pc:sldMk cId="1887145229" sldId="257"/>
+            <ac:picMk id="4" creationId="{E18D0D31-D090-6E7C-B8B3-E488DB147FDA}"/>
+          </ac:picMkLst>
+        </pc:picChg>
+      </pc:sldChg>
+    </pc:docChg>
+  </pc:docChgLst>
+</pc:chgInfo>
 </file>
 
 <file path=ppt/slideLayouts/slideLayout1.xml><?xml version="1.0" encoding="utf-8"?>
@@ -3946,8 +3996,8 @@
         </p:blipFill>
         <p:spPr>
           <a:xfrm>
-            <a:off x="516835" y="854371"/>
-            <a:ext cx="11158330" cy="5872135"/>
+            <a:off x="0" y="1280107"/>
+            <a:ext cx="10404644" cy="5475503"/>
           </a:xfrm>
           <a:prstGeom prst="rect">
             <a:avLst/>
@@ -3990,6 +4040,35 @@
           </a:p>
         </p:txBody>
       </p:sp>
+      <p:pic>
+        <p:nvPicPr>
+          <p:cNvPr id="2" name="Picture 1">
+            <a:extLst>
+              <a:ext uri="{FF2B5EF4-FFF2-40B4-BE49-F238E27FC236}">
+                <a16:creationId xmlns:a16="http://schemas.microsoft.com/office/drawing/2014/main" id="{33FAD1A9-AE8D-5174-89D5-F71D0DAFF278}"/>
+              </a:ext>
+            </a:extLst>
+          </p:cNvPr>
+          <p:cNvPicPr>
+            <a:picLocks noChangeAspect="1"/>
+          </p:cNvPicPr>
+          <p:nvPr/>
+        </p:nvPicPr>
+        <p:blipFill rotWithShape="1">
+          <a:blip r:embed="rId3"/>
+          <a:srcRect l="10629" r="22138"/>
+          <a:stretch/>
+        </p:blipFill>
+        <p:spPr>
+          <a:xfrm>
+            <a:off x="10039929" y="1018173"/>
+            <a:ext cx="2032000" cy="1861483"/>
+          </a:xfrm>
+          <a:prstGeom prst="rect">
+            <a:avLst/>
+          </a:prstGeom>
+        </p:spPr>
+      </p:pic>
     </p:spTree>
     <p:extLst>
       <p:ext uri="{BB962C8B-B14F-4D97-AF65-F5344CB8AC3E}">
